--- a/green_project_web/js_ppt/5강. js_배열(array).pptx
+++ b/green_project_web/js_ppt/5강. js_배열(array).pptx
@@ -5,7 +5,7 @@
     <p:sldMasterId id="2147483648" r:id="rId1"/>
   </p:sldMasterIdLst>
   <p:notesMasterIdLst>
-    <p:notesMasterId r:id="rId26"/>
+    <p:notesMasterId r:id="rId25"/>
   </p:notesMasterIdLst>
   <p:sldIdLst>
     <p:sldId id="256" r:id="rId2"/>
@@ -24,14 +24,13 @@
     <p:sldId id="427" r:id="rId15"/>
     <p:sldId id="408" r:id="rId16"/>
     <p:sldId id="409" r:id="rId17"/>
-    <p:sldId id="422" r:id="rId18"/>
-    <p:sldId id="423" r:id="rId19"/>
+    <p:sldId id="423" r:id="rId18"/>
+    <p:sldId id="422" r:id="rId19"/>
     <p:sldId id="428" r:id="rId20"/>
-    <p:sldId id="429" r:id="rId21"/>
-    <p:sldId id="416" r:id="rId22"/>
-    <p:sldId id="415" r:id="rId23"/>
-    <p:sldId id="417" r:id="rId24"/>
-    <p:sldId id="418" r:id="rId25"/>
+    <p:sldId id="416" r:id="rId21"/>
+    <p:sldId id="415" r:id="rId22"/>
+    <p:sldId id="417" r:id="rId23"/>
+    <p:sldId id="418" r:id="rId24"/>
   </p:sldIdLst>
   <p:sldSz cx="9906000" cy="6858000" type="A4"/>
   <p:notesSz cx="6858000" cy="9144000"/>
@@ -132,7 +131,7 @@
   </p:defaultTextStyle>
   <p:extLst>
     <p:ext uri="{EFAFB233-063F-42B5-8137-9DF3F51BA10A}">
-      <p15:sldGuideLst xmlns="" xmlns:p15="http://schemas.microsoft.com/office/powerpoint/2012/main">
+      <p15:sldGuideLst xmlns:p15="http://schemas.microsoft.com/office/powerpoint/2012/main">
         <p15:guide id="1" orient="horz" pos="2160">
           <p15:clr>
             <a:srgbClr val="A4A3A4"/>
@@ -231,7 +230,7 @@
           <a:p>
             <a:fld id="{7665CDAC-D627-4E87-877A-1B781DD4CADC}" type="datetimeFigureOut">
               <a:rPr lang="ko-KR" altLang="en-US" smtClean="0"/>
-              <a:t>2022-06-08</a:t>
+              <a:t>2023-03-30</a:t>
             </a:fld>
             <a:endParaRPr lang="ko-KR" altLang="en-US"/>
           </a:p>
@@ -645,7 +644,7 @@
           <a:p>
             <a:fld id="{C25BCFD5-C4DF-4EBC-B718-C69ED2FBDE6F}" type="datetime1">
               <a:rPr lang="ko-KR" altLang="en-US" smtClean="0"/>
-              <a:t>2022-06-08</a:t>
+              <a:t>2023-03-30</a:t>
             </a:fld>
             <a:endParaRPr lang="ko-KR" altLang="en-US"/>
           </a:p>
@@ -1063,7 +1062,7 @@
           <a:p>
             <a:fld id="{AB448CD7-D367-43D5-B461-ACE552E75063}" type="datetime1">
               <a:rPr lang="ko-KR" altLang="en-US" smtClean="0"/>
-              <a:t>2022-06-08</a:t>
+              <a:t>2023-03-30</a:t>
             </a:fld>
             <a:endParaRPr lang="ko-KR" altLang="en-US"/>
           </a:p>
@@ -1243,7 +1242,7 @@
           <a:p>
             <a:fld id="{B6E49E79-7361-4780-8BEF-7EDE3708298A}" type="datetime1">
               <a:rPr lang="ko-KR" altLang="en-US" smtClean="0"/>
-              <a:t>2022-06-08</a:t>
+              <a:t>2023-03-30</a:t>
             </a:fld>
             <a:endParaRPr lang="ko-KR" altLang="en-US"/>
           </a:p>
@@ -1417,7 +1416,7 @@
           <a:p>
             <a:fld id="{A4D42E3C-B70B-437C-85CF-1286301B9CBA}" type="datetime1">
               <a:rPr lang="ko-KR" altLang="en-US" smtClean="0"/>
-              <a:t>2022-06-08</a:t>
+              <a:t>2023-03-30</a:t>
             </a:fld>
             <a:endParaRPr lang="ko-KR" altLang="en-US"/>
           </a:p>
@@ -1663,7 +1662,7 @@
           <a:p>
             <a:fld id="{B3369A20-5B3D-4D98-A822-26B93D177A40}" type="datetime1">
               <a:rPr lang="ko-KR" altLang="en-US" smtClean="0"/>
-              <a:t>2022-06-08</a:t>
+              <a:t>2023-03-30</a:t>
             </a:fld>
             <a:endParaRPr lang="ko-KR" altLang="en-US"/>
           </a:p>
@@ -1951,7 +1950,7 @@
           <a:p>
             <a:fld id="{685CD4CE-9E43-4F70-A9D8-A2130CA7D92A}" type="datetime1">
               <a:rPr lang="ko-KR" altLang="en-US" smtClean="0"/>
-              <a:t>2022-06-08</a:t>
+              <a:t>2023-03-30</a:t>
             </a:fld>
             <a:endParaRPr lang="ko-KR" altLang="en-US"/>
           </a:p>
@@ -2373,7 +2372,7 @@
           <a:p>
             <a:fld id="{F752BD92-DA3E-4A0B-90C9-7DE5E15B6E96}" type="datetime1">
               <a:rPr lang="ko-KR" altLang="en-US" smtClean="0"/>
-              <a:t>2022-06-08</a:t>
+              <a:t>2023-03-30</a:t>
             </a:fld>
             <a:endParaRPr lang="ko-KR" altLang="en-US"/>
           </a:p>
@@ -2491,7 +2490,7 @@
           <a:p>
             <a:fld id="{8EA2B83A-F366-424E-B742-340ACF856BB5}" type="datetime1">
               <a:rPr lang="ko-KR" altLang="en-US" smtClean="0"/>
-              <a:t>2022-06-08</a:t>
+              <a:t>2023-03-30</a:t>
             </a:fld>
             <a:endParaRPr lang="ko-KR" altLang="en-US"/>
           </a:p>
@@ -2586,7 +2585,7 @@
           <a:p>
             <a:fld id="{9A49D68B-5DBD-48E9-A8D4-FCBC4B3DD9C6}" type="datetime1">
               <a:rPr lang="ko-KR" altLang="en-US" smtClean="0"/>
-              <a:t>2022-06-08</a:t>
+              <a:t>2023-03-30</a:t>
             </a:fld>
             <a:endParaRPr lang="ko-KR" altLang="en-US"/>
           </a:p>
@@ -2863,7 +2862,7 @@
           <a:p>
             <a:fld id="{4CAB534F-7D16-467B-9320-91F98915D181}" type="datetime1">
               <a:rPr lang="ko-KR" altLang="en-US" smtClean="0"/>
-              <a:t>2022-06-08</a:t>
+              <a:t>2023-03-30</a:t>
             </a:fld>
             <a:endParaRPr lang="ko-KR" altLang="en-US"/>
           </a:p>
@@ -3116,7 +3115,7 @@
           <a:p>
             <a:fld id="{A390A91F-2F8D-4486-A69D-D680F95444B0}" type="datetime1">
               <a:rPr lang="ko-KR" altLang="en-US" smtClean="0"/>
-              <a:t>2022-06-08</a:t>
+              <a:t>2023-03-30</a:t>
             </a:fld>
             <a:endParaRPr lang="ko-KR" altLang="en-US"/>
           </a:p>
@@ -3296,7 +3295,7 @@
           <a:p>
             <a:fld id="{2238BBEA-E8DD-414A-BF68-FC2AFA7CFF2D}" type="datetime1">
               <a:rPr lang="ko-KR" altLang="en-US" smtClean="0"/>
-              <a:t>2022-06-08</a:t>
+              <a:t>2023-03-30</a:t>
             </a:fld>
             <a:endParaRPr lang="ko-KR" altLang="en-US"/>
           </a:p>
@@ -4382,7 +4381,7 @@
       </p:sp>
       <p:pic>
         <p:nvPicPr>
-          <p:cNvPr id="3" name="그림 2"/>
+          <p:cNvPr id="5" name="그림 4"/>
           <p:cNvPicPr>
             <a:picLocks noChangeAspect="1"/>
           </p:cNvPicPr>
@@ -4402,8 +4401,8 @@
         </p:blipFill>
         <p:spPr>
           <a:xfrm>
-            <a:off x="1136576" y="1844824"/>
-            <a:ext cx="6980525" cy="3932261"/>
+            <a:off x="1496616" y="1806602"/>
+            <a:ext cx="6552728" cy="4728552"/>
           </a:xfrm>
           <a:prstGeom prst="rect">
             <a:avLst/>
@@ -4846,15 +4845,61 @@
           </a:p>
         </p:txBody>
       </p:sp>
+      <p:sp>
+        <p:nvSpPr>
+          <p:cNvPr id="7" name="TextBox 6"/>
+          <p:cNvSpPr txBox="1"/>
+          <p:nvPr/>
+        </p:nvSpPr>
+        <p:spPr>
+          <a:xfrm>
+            <a:off x="6609184" y="2348880"/>
+            <a:ext cx="2016224" cy="338554"/>
+          </a:xfrm>
+          <a:prstGeom prst="rect">
+            <a:avLst/>
+          </a:prstGeom>
+          <a:noFill/>
+        </p:spPr>
+        <p:txBody>
+          <a:bodyPr wrap="square" rtlCol="0">
+            <a:spAutoFit/>
+          </a:bodyPr>
+          <a:lstStyle/>
+          <a:p>
+            <a:r>
+              <a:rPr lang="en-US" altLang="ko-KR" sz="1600" dirty="0" smtClean="0">
+                <a:solidFill>
+                  <a:srgbClr val="FF0000"/>
+                </a:solidFill>
+              </a:rPr>
+              <a:t>f</a:t>
+            </a:r>
+            <a:r>
+              <a:rPr lang="en-US" altLang="ko-KR" sz="1600" dirty="0" smtClean="0">
+                <a:solidFill>
+                  <a:srgbClr val="FF0000"/>
+                </a:solidFill>
+              </a:rPr>
+              <a:t>ind_max_min.html</a:t>
+            </a:r>
+            <a:endParaRPr lang="ko-KR" altLang="en-US" sz="1600" dirty="0">
+              <a:solidFill>
+                <a:srgbClr val="FF0000"/>
+              </a:solidFill>
+            </a:endParaRPr>
+          </a:p>
+        </p:txBody>
+      </p:sp>
       <p:pic>
         <p:nvPicPr>
-          <p:cNvPr id="3" name="그림 2"/>
+          <p:cNvPr id="8" name="그림 7"/>
           <p:cNvPicPr>
             <a:picLocks noChangeAspect="1"/>
           </p:cNvPicPr>
           <p:nvPr/>
         </p:nvPicPr>
-        <p:blipFill>
+        <p:blipFill rotWithShape="1">
           <a:blip r:embed="rId2">
             <a:extLst>
               <a:ext uri="{28A0092B-C50C-407E-A947-70E740481C1C}">
@@ -4862,14 +4907,13 @@
               </a:ext>
             </a:extLst>
           </a:blip>
-          <a:stretch>
-            <a:fillRect/>
-          </a:stretch>
+          <a:srcRect b="7764"/>
+          <a:stretch/>
         </p:blipFill>
         <p:spPr>
           <a:xfrm>
-            <a:off x="1712640" y="1772816"/>
-            <a:ext cx="5105235" cy="4841649"/>
+            <a:off x="1928664" y="1916832"/>
+            <a:ext cx="4541914" cy="3240360"/>
           </a:xfrm>
           <a:prstGeom prst="rect">
             <a:avLst/>
@@ -4883,81 +4927,6 @@
           </a:ln>
         </p:spPr>
       </p:pic>
-      <p:pic>
-        <p:nvPicPr>
-          <p:cNvPr id="6" name="그림 5"/>
-          <p:cNvPicPr>
-            <a:picLocks noChangeAspect="1"/>
-          </p:cNvPicPr>
-          <p:nvPr/>
-        </p:nvPicPr>
-        <p:blipFill>
-          <a:blip r:embed="rId3">
-            <a:extLst>
-              <a:ext uri="{28A0092B-C50C-407E-A947-70E740481C1C}">
-                <a14:useLocalDpi xmlns:a14="http://schemas.microsoft.com/office/drawing/2010/main" val="0"/>
-              </a:ext>
-            </a:extLst>
-          </a:blip>
-          <a:stretch>
-            <a:fillRect/>
-          </a:stretch>
-        </p:blipFill>
-        <p:spPr>
-          <a:xfrm>
-            <a:off x="7185248" y="5013176"/>
-            <a:ext cx="1143099" cy="617274"/>
-          </a:xfrm>
-          <a:prstGeom prst="rect">
-            <a:avLst/>
-          </a:prstGeom>
-          <a:ln>
-            <a:solidFill>
-              <a:schemeClr val="bg1">
-                <a:lumMod val="85000"/>
-              </a:schemeClr>
-            </a:solidFill>
-          </a:ln>
-        </p:spPr>
-      </p:pic>
-      <p:sp>
-        <p:nvSpPr>
-          <p:cNvPr id="7" name="TextBox 6"/>
-          <p:cNvSpPr txBox="1"/>
-          <p:nvPr/>
-        </p:nvSpPr>
-        <p:spPr>
-          <a:xfrm>
-            <a:off x="6969224" y="2348880"/>
-            <a:ext cx="1872208" cy="338554"/>
-          </a:xfrm>
-          <a:prstGeom prst="rect">
-            <a:avLst/>
-          </a:prstGeom>
-          <a:noFill/>
-        </p:spPr>
-        <p:txBody>
-          <a:bodyPr wrap="square" rtlCol="0">
-            <a:spAutoFit/>
-          </a:bodyPr>
-          <a:lstStyle/>
-          <a:p>
-            <a:r>
-              <a:rPr lang="en-US" altLang="ko-KR" sz="1600" dirty="0" smtClean="0">
-                <a:solidFill>
-                  <a:srgbClr val="FF0000"/>
-                </a:solidFill>
-              </a:rPr>
-              <a:t>findMax.html</a:t>
-            </a:r>
-            <a:endParaRPr lang="ko-KR" altLang="en-US" sz="1600" dirty="0">
-              <a:solidFill>
-                <a:srgbClr val="FF0000"/>
-              </a:solidFill>
-            </a:endParaRPr>
-          </a:p>
-        </p:txBody>
-      </p:sp>
     </p:spTree>
     <p:extLst>
       <p:ext uri="{BB962C8B-B14F-4D97-AF65-F5344CB8AC3E}">
@@ -5151,9 +5120,55 @@
           </a:p>
         </p:txBody>
       </p:sp>
+      <p:sp>
+        <p:nvSpPr>
+          <p:cNvPr id="7" name="TextBox 6"/>
+          <p:cNvSpPr txBox="1"/>
+          <p:nvPr/>
+        </p:nvSpPr>
+        <p:spPr>
+          <a:xfrm>
+            <a:off x="5471565" y="2509483"/>
+            <a:ext cx="2232248" cy="338554"/>
+          </a:xfrm>
+          <a:prstGeom prst="rect">
+            <a:avLst/>
+          </a:prstGeom>
+          <a:noFill/>
+        </p:spPr>
+        <p:txBody>
+          <a:bodyPr wrap="square" rtlCol="0">
+            <a:spAutoFit/>
+          </a:bodyPr>
+          <a:lstStyle/>
+          <a:p>
+            <a:r>
+              <a:rPr lang="en-US" altLang="ko-KR" sz="1600" dirty="0" smtClean="0">
+                <a:solidFill>
+                  <a:srgbClr val="FF0000"/>
+                </a:solidFill>
+              </a:rPr>
+              <a:t>a</a:t>
+            </a:r>
+            <a:r>
+              <a:rPr lang="en-US" altLang="ko-KR" sz="1600" dirty="0" smtClean="0">
+                <a:solidFill>
+                  <a:srgbClr val="FF0000"/>
+                </a:solidFill>
+              </a:rPr>
+              <a:t>rray_function1.html</a:t>
+            </a:r>
+            <a:endParaRPr lang="ko-KR" altLang="en-US" sz="1600" dirty="0">
+              <a:solidFill>
+                <a:srgbClr val="FF0000"/>
+              </a:solidFill>
+            </a:endParaRPr>
+          </a:p>
+        </p:txBody>
+      </p:sp>
       <p:pic>
         <p:nvPicPr>
-          <p:cNvPr id="3" name="그림 2"/>
+          <p:cNvPr id="6" name="그림 5"/>
           <p:cNvPicPr>
             <a:picLocks noChangeAspect="1"/>
           </p:cNvPicPr>
@@ -5173,8 +5188,8 @@
         </p:blipFill>
         <p:spPr>
           <a:xfrm>
-            <a:off x="2106107" y="2310499"/>
-            <a:ext cx="4104456" cy="4190114"/>
+            <a:off x="1226857" y="2312657"/>
+            <a:ext cx="4244708" cy="3749365"/>
           </a:xfrm>
           <a:prstGeom prst="rect">
             <a:avLst/>
@@ -5188,44 +5203,6 @@
           </a:ln>
         </p:spPr>
       </p:pic>
-      <p:sp>
-        <p:nvSpPr>
-          <p:cNvPr id="7" name="TextBox 6"/>
-          <p:cNvSpPr txBox="1"/>
-          <p:nvPr/>
-        </p:nvSpPr>
-        <p:spPr>
-          <a:xfrm>
-            <a:off x="5471565" y="2509483"/>
-            <a:ext cx="2232248" cy="338554"/>
-          </a:xfrm>
-          <a:prstGeom prst="rect">
-            <a:avLst/>
-          </a:prstGeom>
-          <a:noFill/>
-        </p:spPr>
-        <p:txBody>
-          <a:bodyPr wrap="square" rtlCol="0">
-            <a:spAutoFit/>
-          </a:bodyPr>
-          <a:lstStyle/>
-          <a:p>
-            <a:r>
-              <a:rPr lang="en-US" altLang="ko-KR" sz="1600" dirty="0" smtClean="0">
-                <a:solidFill>
-                  <a:srgbClr val="FF0000"/>
-                </a:solidFill>
-              </a:rPr>
-              <a:t>arrayFunction.html</a:t>
-            </a:r>
-            <a:endParaRPr lang="ko-KR" altLang="en-US" sz="1600" dirty="0">
-              <a:solidFill>
-                <a:srgbClr val="FF0000"/>
-              </a:solidFill>
-            </a:endParaRPr>
-          </a:p>
-        </p:txBody>
-      </p:sp>
     </p:spTree>
     <p:extLst>
       <p:ext uri="{BB962C8B-B14F-4D97-AF65-F5344CB8AC3E}">
@@ -5421,7 +5398,7 @@
       </p:sp>
       <p:pic>
         <p:nvPicPr>
-          <p:cNvPr id="6" name="그림 5"/>
+          <p:cNvPr id="3" name="그림 2"/>
           <p:cNvPicPr>
             <a:picLocks noChangeAspect="1"/>
           </p:cNvPicPr>
@@ -5441,8 +5418,8 @@
         </p:blipFill>
         <p:spPr>
           <a:xfrm>
-            <a:off x="1712640" y="2306489"/>
-            <a:ext cx="4320706" cy="3426767"/>
+            <a:off x="1712640" y="2332386"/>
+            <a:ext cx="4404742" cy="3947502"/>
           </a:xfrm>
           <a:prstGeom prst="rect">
             <a:avLst/>
@@ -5456,44 +5433,6 @@
           </a:ln>
         </p:spPr>
       </p:pic>
-      <p:sp>
-        <p:nvSpPr>
-          <p:cNvPr id="7" name="TextBox 6"/>
-          <p:cNvSpPr txBox="1"/>
-          <p:nvPr/>
-        </p:nvSpPr>
-        <p:spPr>
-          <a:xfrm>
-            <a:off x="5471565" y="2509483"/>
-            <a:ext cx="2232248" cy="338554"/>
-          </a:xfrm>
-          <a:prstGeom prst="rect">
-            <a:avLst/>
-          </a:prstGeom>
-          <a:noFill/>
-        </p:spPr>
-        <p:txBody>
-          <a:bodyPr wrap="square" rtlCol="0">
-            <a:spAutoFit/>
-          </a:bodyPr>
-          <a:lstStyle/>
-          <a:p>
-            <a:r>
-              <a:rPr lang="en-US" altLang="ko-KR" sz="1600" dirty="0" smtClean="0">
-                <a:solidFill>
-                  <a:srgbClr val="FF0000"/>
-                </a:solidFill>
-              </a:rPr>
-              <a:t>arrayFunction.html</a:t>
-            </a:r>
-            <a:endParaRPr lang="ko-KR" altLang="en-US" sz="1600" dirty="0">
-              <a:solidFill>
-                <a:srgbClr val="FF0000"/>
-              </a:solidFill>
-            </a:endParaRPr>
-          </a:p>
-        </p:txBody>
-      </p:sp>
     </p:spTree>
     <p:extLst>
       <p:ext uri="{BB962C8B-B14F-4D97-AF65-F5344CB8AC3E}">
@@ -5696,7 +5635,7 @@
           </p:cNvPicPr>
           <p:nvPr/>
         </p:nvPicPr>
-        <p:blipFill>
+        <p:blipFill rotWithShape="1">
           <a:blip r:embed="rId2">
             <a:extLst>
               <a:ext uri="{28A0092B-C50C-407E-A947-70E740481C1C}">
@@ -5704,14 +5643,13 @@
               </a:ext>
             </a:extLst>
           </a:blip>
-          <a:stretch>
-            <a:fillRect/>
-          </a:stretch>
+          <a:srcRect b="4827"/>
+          <a:stretch/>
         </p:blipFill>
         <p:spPr>
           <a:xfrm>
-            <a:off x="1064568" y="2492896"/>
-            <a:ext cx="5774114" cy="3456384"/>
+            <a:off x="1496616" y="2541097"/>
+            <a:ext cx="5774114" cy="3289561"/>
           </a:xfrm>
           <a:prstGeom prst="rect">
             <a:avLst/>
@@ -5726,54 +5664,16 @@
           </a:ln>
         </p:spPr>
       </p:pic>
-      <p:pic>
-        <p:nvPicPr>
-          <p:cNvPr id="3" name="그림 2"/>
-          <p:cNvPicPr>
-            <a:picLocks noChangeAspect="1"/>
-          </p:cNvPicPr>
-          <p:nvPr/>
-        </p:nvPicPr>
-        <p:blipFill>
-          <a:blip r:embed="rId3">
-            <a:extLst>
-              <a:ext uri="{28A0092B-C50C-407E-A947-70E740481C1C}">
-                <a14:useLocalDpi xmlns:a14="http://schemas.microsoft.com/office/drawing/2010/main" val="0"/>
-              </a:ext>
-            </a:extLst>
-          </a:blip>
-          <a:stretch>
-            <a:fillRect/>
-          </a:stretch>
-        </p:blipFill>
-        <p:spPr>
-          <a:xfrm>
-            <a:off x="5241032" y="4869160"/>
-            <a:ext cx="3960440" cy="1328346"/>
-          </a:xfrm>
-          <a:prstGeom prst="rect">
-            <a:avLst/>
-          </a:prstGeom>
-          <a:ln>
-            <a:solidFill>
-              <a:schemeClr val="accent4">
-                <a:lumMod val="20000"/>
-                <a:lumOff val="80000"/>
-              </a:schemeClr>
-            </a:solidFill>
-          </a:ln>
-        </p:spPr>
-      </p:pic>
-      <p:sp>
-        <p:nvSpPr>
-          <p:cNvPr id="8" name="TextBox 7"/>
+      <p:sp>
+        <p:nvSpPr>
+          <p:cNvPr id="9" name="TextBox 8"/>
           <p:cNvSpPr txBox="1"/>
           <p:nvPr/>
         </p:nvSpPr>
         <p:spPr>
           <a:xfrm>
-            <a:off x="6285148" y="2852936"/>
-            <a:ext cx="1332148" cy="338554"/>
+            <a:off x="6321152" y="3068960"/>
+            <a:ext cx="2232248" cy="338554"/>
           </a:xfrm>
           <a:prstGeom prst="rect">
             <a:avLst/>
@@ -5792,7 +5692,15 @@
                   <a:srgbClr val="FF0000"/>
                 </a:solidFill>
               </a:rPr>
-              <a:t>splice.html</a:t>
+              <a:t>a</a:t>
+            </a:r>
+            <a:r>
+              <a:rPr lang="en-US" altLang="ko-KR" sz="1600" dirty="0" smtClean="0">
+                <a:solidFill>
+                  <a:srgbClr val="FF0000"/>
+                </a:solidFill>
+              </a:rPr>
+              <a:t>rray_function2.html</a:t>
             </a:r>
             <a:endParaRPr lang="ko-KR" altLang="en-US" sz="1600" dirty="0">
               <a:solidFill>
@@ -5815,129 +5723,7 @@
   <p:timing>
     <p:tnLst>
       <p:par>
-        <p:cTn id="1" dur="indefinite" restart="never" nodeType="tmRoot">
-          <p:childTnLst>
-            <p:seq concurrent="1" nextAc="seek">
-              <p:cTn id="2" dur="indefinite" nodeType="mainSeq">
-                <p:childTnLst>
-                  <p:par>
-                    <p:cTn id="3" fill="hold">
-                      <p:stCondLst>
-                        <p:cond delay="indefinite"/>
-                      </p:stCondLst>
-                      <p:childTnLst>
-                        <p:par>
-                          <p:cTn id="4" fill="hold">
-                            <p:stCondLst>
-                              <p:cond delay="0"/>
-                            </p:stCondLst>
-                            <p:childTnLst>
-                              <p:par>
-                                <p:cTn id="5" presetID="42" presetClass="entr" presetSubtype="0" fill="hold" nodeType="clickEffect">
-                                  <p:stCondLst>
-                                    <p:cond delay="0"/>
-                                  </p:stCondLst>
-                                  <p:childTnLst>
-                                    <p:set>
-                                      <p:cBhvr>
-                                        <p:cTn id="6" dur="1" fill="hold">
-                                          <p:stCondLst>
-                                            <p:cond delay="0"/>
-                                          </p:stCondLst>
-                                        </p:cTn>
-                                        <p:tgtEl>
-                                          <p:spTgt spid="3"/>
-                                        </p:tgtEl>
-                                        <p:attrNameLst>
-                                          <p:attrName>style.visibility</p:attrName>
-                                        </p:attrNameLst>
-                                      </p:cBhvr>
-                                      <p:to>
-                                        <p:strVal val="visible"/>
-                                      </p:to>
-                                    </p:set>
-                                    <p:animEffect transition="in" filter="fade">
-                                      <p:cBhvr>
-                                        <p:cTn id="7" dur="1000"/>
-                                        <p:tgtEl>
-                                          <p:spTgt spid="3"/>
-                                        </p:tgtEl>
-                                      </p:cBhvr>
-                                    </p:animEffect>
-                                    <p:anim calcmode="lin" valueType="num">
-                                      <p:cBhvr>
-                                        <p:cTn id="8" dur="1000" fill="hold"/>
-                                        <p:tgtEl>
-                                          <p:spTgt spid="3"/>
-                                        </p:tgtEl>
-                                        <p:attrNameLst>
-                                          <p:attrName>ppt_x</p:attrName>
-                                        </p:attrNameLst>
-                                      </p:cBhvr>
-                                      <p:tavLst>
-                                        <p:tav tm="0">
-                                          <p:val>
-                                            <p:strVal val="#ppt_x"/>
-                                          </p:val>
-                                        </p:tav>
-                                        <p:tav tm="100000">
-                                          <p:val>
-                                            <p:strVal val="#ppt_x"/>
-                                          </p:val>
-                                        </p:tav>
-                                      </p:tavLst>
-                                    </p:anim>
-                                    <p:anim calcmode="lin" valueType="num">
-                                      <p:cBhvr>
-                                        <p:cTn id="9" dur="1000" fill="hold"/>
-                                        <p:tgtEl>
-                                          <p:spTgt spid="3"/>
-                                        </p:tgtEl>
-                                        <p:attrNameLst>
-                                          <p:attrName>ppt_y</p:attrName>
-                                        </p:attrNameLst>
-                                      </p:cBhvr>
-                                      <p:tavLst>
-                                        <p:tav tm="0">
-                                          <p:val>
-                                            <p:strVal val="#ppt_y+.1"/>
-                                          </p:val>
-                                        </p:tav>
-                                        <p:tav tm="100000">
-                                          <p:val>
-                                            <p:strVal val="#ppt_y"/>
-                                          </p:val>
-                                        </p:tav>
-                                      </p:tavLst>
-                                    </p:anim>
-                                  </p:childTnLst>
-                                </p:cTn>
-                              </p:par>
-                            </p:childTnLst>
-                          </p:cTn>
-                        </p:par>
-                      </p:childTnLst>
-                    </p:cTn>
-                  </p:par>
-                </p:childTnLst>
-              </p:cTn>
-              <p:prevCondLst>
-                <p:cond evt="onPrev" delay="0">
-                  <p:tgtEl>
-                    <p:sldTgt/>
-                  </p:tgtEl>
-                </p:cond>
-              </p:prevCondLst>
-              <p:nextCondLst>
-                <p:cond evt="onNext" delay="0">
-                  <p:tgtEl>
-                    <p:sldTgt/>
-                  </p:tgtEl>
-                </p:cond>
-              </p:nextCondLst>
-            </p:seq>
-          </p:childTnLst>
-        </p:cTn>
+        <p:cTn id="1" dur="indefinite" restart="never" nodeType="tmRoot"/>
       </p:par>
     </p:tnLst>
   </p:timing>
@@ -6123,7 +5909,7 @@
       </p:sp>
       <p:pic>
         <p:nvPicPr>
-          <p:cNvPr id="7" name="그림 6"/>
+          <p:cNvPr id="3" name="그림 2"/>
           <p:cNvPicPr>
             <a:picLocks noChangeAspect="1"/>
           </p:cNvPicPr>
@@ -6143,98 +5929,21 @@
         </p:blipFill>
         <p:spPr>
           <a:xfrm>
-            <a:off x="1064568" y="2860710"/>
-            <a:ext cx="6637596" cy="3459780"/>
+            <a:off x="1280592" y="2420888"/>
+            <a:ext cx="6645216" cy="3391194"/>
           </a:xfrm>
           <a:prstGeom prst="rect">
             <a:avLst/>
           </a:prstGeom>
           <a:ln>
             <a:solidFill>
-              <a:schemeClr val="accent4">
-                <a:lumMod val="20000"/>
-                <a:lumOff val="80000"/>
+              <a:schemeClr val="bg1">
+                <a:lumMod val="85000"/>
               </a:schemeClr>
             </a:solidFill>
           </a:ln>
         </p:spPr>
       </p:pic>
-      <p:pic>
-        <p:nvPicPr>
-          <p:cNvPr id="9" name="그림 8"/>
-          <p:cNvPicPr>
-            <a:picLocks noChangeAspect="1"/>
-          </p:cNvPicPr>
-          <p:nvPr/>
-        </p:nvPicPr>
-        <p:blipFill>
-          <a:blip r:embed="rId3">
-            <a:extLst>
-              <a:ext uri="{28A0092B-C50C-407E-A947-70E740481C1C}">
-                <a14:useLocalDpi xmlns:a14="http://schemas.microsoft.com/office/drawing/2010/main" val="0"/>
-              </a:ext>
-            </a:extLst>
-          </a:blip>
-          <a:stretch>
-            <a:fillRect/>
-          </a:stretch>
-        </p:blipFill>
-        <p:spPr>
-          <a:xfrm>
-            <a:off x="5313040" y="2057827"/>
-            <a:ext cx="3997280" cy="1743741"/>
-          </a:xfrm>
-          <a:prstGeom prst="rect">
-            <a:avLst/>
-          </a:prstGeom>
-          <a:ln>
-            <a:solidFill>
-              <a:schemeClr val="accent4">
-                <a:lumMod val="20000"/>
-                <a:lumOff val="80000"/>
-              </a:schemeClr>
-            </a:solidFill>
-          </a:ln>
-        </p:spPr>
-      </p:pic>
-      <p:sp>
-        <p:nvSpPr>
-          <p:cNvPr id="10" name="TextBox 9"/>
-          <p:cNvSpPr txBox="1"/>
-          <p:nvPr/>
-        </p:nvSpPr>
-        <p:spPr>
-          <a:xfrm>
-            <a:off x="3296816" y="2420888"/>
-            <a:ext cx="1872208" cy="338554"/>
-          </a:xfrm>
-          <a:prstGeom prst="rect">
-            <a:avLst/>
-          </a:prstGeom>
-          <a:noFill/>
-        </p:spPr>
-        <p:txBody>
-          <a:bodyPr wrap="square" rtlCol="0">
-            <a:spAutoFit/>
-          </a:bodyPr>
-          <a:lstStyle/>
-          <a:p>
-            <a:r>
-              <a:rPr lang="en-US" altLang="ko-KR" sz="1600" dirty="0" smtClean="0">
-                <a:solidFill>
-                  <a:srgbClr val="FF0000"/>
-                </a:solidFill>
-              </a:rPr>
-              <a:t>concat.html</a:t>
-            </a:r>
-            <a:endParaRPr lang="ko-KR" altLang="en-US" sz="1600" dirty="0">
-              <a:solidFill>
-                <a:srgbClr val="FF0000"/>
-              </a:solidFill>
-            </a:endParaRPr>
-          </a:p>
-        </p:txBody>
-      </p:sp>
     </p:spTree>
     <p:extLst>
       <p:ext uri="{BB962C8B-B14F-4D97-AF65-F5344CB8AC3E}">
@@ -6297,7 +6006,11 @@
             <a:pPr algn="ctr"/>
             <a:r>
               <a:rPr lang="ko-KR" altLang="en-US" sz="2800" dirty="0" smtClean="0"/>
-              <a:t>배열의 객체 함수 연습문제</a:t>
+              <a:t>내장 객체 </a:t>
+            </a:r>
+            <a:r>
+              <a:rPr lang="en-US" altLang="ko-KR" sz="2800" dirty="0" smtClean="0"/>
+              <a:t>- Array</a:t>
             </a:r>
             <a:endParaRPr lang="ko-KR" altLang="en-US" sz="2800" dirty="0"/>
           </a:p>
@@ -6328,30 +6041,25 @@
       </p:sp>
       <p:sp>
         <p:nvSpPr>
-          <p:cNvPr id="7" name="직사각형 6"/>
-          <p:cNvSpPr/>
+          <p:cNvPr id="5" name="TextBox 4"/>
+          <p:cNvSpPr txBox="1"/>
           <p:nvPr/>
         </p:nvSpPr>
         <p:spPr>
           <a:xfrm>
-            <a:off x="632520" y="1076543"/>
-            <a:ext cx="8856984" cy="1615827"/>
+            <a:off x="704527" y="1290826"/>
+            <a:ext cx="8148905" cy="1477328"/>
           </a:xfrm>
           <a:prstGeom prst="rect">
             <a:avLst/>
           </a:prstGeom>
-        </p:spPr>
-        <p:txBody>
-          <a:bodyPr wrap="square">
+          <a:noFill/>
+        </p:spPr>
+        <p:txBody>
+          <a:bodyPr wrap="square" rtlCol="0">
             <a:spAutoFit/>
           </a:bodyPr>
           <a:lstStyle/>
-          <a:p>
-            <a:r>
-              <a:rPr lang="en-US" altLang="ko-KR" dirty="0" smtClean="0"/>
-              <a:t>-----------------------------------------------------------------------------------------</a:t>
-            </a:r>
-          </a:p>
           <a:p>
             <a:pPr>
               <a:lnSpc>
@@ -6360,48 +6068,37 @@
             </a:pPr>
             <a:r>
               <a:rPr lang="en-US" altLang="ko-KR" dirty="0" smtClean="0"/>
-              <a:t>  1</a:t>
-            </a:r>
-            <a:r>
-              <a:rPr lang="ko-KR" altLang="en-US" dirty="0" smtClean="0"/>
-              <a:t>부터 </a:t>
-            </a:r>
-            <a:r>
-              <a:rPr lang="en-US" altLang="ko-KR" dirty="0" smtClean="0"/>
-              <a:t>10</a:t>
-            </a:r>
-            <a:r>
-              <a:rPr lang="ko-KR" altLang="en-US" dirty="0" smtClean="0"/>
-              <a:t>까지의 자연수 중 홀수를 사용하여</a:t>
-            </a:r>
-            <a:r>
-              <a:rPr lang="en-US" altLang="ko-KR" dirty="0" smtClean="0"/>
-              <a:t> </a:t>
-            </a:r>
-            <a:r>
-              <a:rPr lang="ko-KR" altLang="en-US" dirty="0" smtClean="0"/>
-              <a:t>합을 구하고</a:t>
-            </a:r>
-            <a:r>
-              <a:rPr lang="en-US" altLang="ko-KR" dirty="0" smtClean="0"/>
-              <a:t>,</a:t>
-            </a:r>
-            <a:r>
-              <a:rPr lang="ko-KR" altLang="en-US" dirty="0" smtClean="0"/>
-              <a:t> 그 합을 배열의 맨 뒤에 추가하여 출력하는 프로그램을 작성하세요</a:t>
-            </a:r>
-            <a:r>
-              <a:rPr lang="en-US" altLang="ko-KR" dirty="0" smtClean="0"/>
-              <a:t>(</a:t>
-            </a:r>
-            <a:r>
-              <a:rPr lang="ko-KR" altLang="en-US" dirty="0" smtClean="0"/>
-              <a:t>파일 </a:t>
-            </a:r>
-            <a:r>
-              <a:rPr lang="en-US" altLang="ko-KR" dirty="0" smtClean="0"/>
-              <a:t>: sum-push.html)</a:t>
-            </a:r>
+              <a:t>   </a:t>
+            </a:r>
+            <a:r>
+              <a:rPr lang="en-US" altLang="ko-KR" sz="2000" b="1" dirty="0" err="1" smtClean="0"/>
+              <a:t>indexOf</a:t>
+            </a:r>
+            <a:r>
+              <a:rPr lang="en-US" altLang="ko-KR" sz="2000" b="1" dirty="0" smtClean="0"/>
+              <a:t>()</a:t>
+            </a:r>
+            <a:r>
+              <a:rPr lang="ko-KR" altLang="en-US" sz="2000" b="1" dirty="0" smtClean="0"/>
+              <a:t>함수 </a:t>
+            </a:r>
+            <a:r>
+              <a:rPr lang="en-US" altLang="ko-KR" sz="2000" b="1" dirty="0" smtClean="0"/>
+              <a:t>– </a:t>
+            </a:r>
+            <a:r>
+              <a:rPr lang="ko-KR" altLang="en-US" b="1" dirty="0" smtClean="0"/>
+              <a:t>특정한 문자열의 </a:t>
+            </a:r>
+            <a:r>
+              <a:rPr lang="ko-KR" altLang="en-US" b="1" dirty="0" err="1" smtClean="0"/>
+              <a:t>첫번째</a:t>
+            </a:r>
+            <a:r>
+              <a:rPr lang="ko-KR" altLang="en-US" b="1" dirty="0" smtClean="0"/>
+              <a:t> 위치를 반환</a:t>
+            </a:r>
+            <a:endParaRPr lang="en-US" altLang="ko-KR" b="1" dirty="0" smtClean="0"/>
           </a:p>
           <a:p>
             <a:pPr>
@@ -6410,16 +6107,92 @@
               </a:lnSpc>
             </a:pPr>
             <a:r>
-              <a:rPr lang="en-US" altLang="ko-KR" dirty="0" smtClean="0"/>
-              <a:t>------------------------------------------------------------------------------------------</a:t>
-            </a:r>
-            <a:endParaRPr lang="ko-KR" altLang="en-US" dirty="0"/>
+              <a:rPr lang="en-US" altLang="ko-KR" sz="2000" b="1" dirty="0"/>
+              <a:t> </a:t>
+            </a:r>
+            <a:r>
+              <a:rPr lang="en-US" altLang="ko-KR" sz="2000" b="1" dirty="0" smtClean="0"/>
+              <a:t>                        </a:t>
+            </a:r>
+            <a:r>
+              <a:rPr lang="ko-KR" altLang="en-US" b="1" dirty="0" smtClean="0"/>
+              <a:t>대</a:t>
+            </a:r>
+            <a:r>
+              <a:rPr lang="en-US" altLang="ko-KR" b="1" dirty="0" smtClean="0"/>
+              <a:t>, </a:t>
+            </a:r>
+            <a:r>
+              <a:rPr lang="ko-KR" altLang="en-US" b="1" dirty="0" smtClean="0"/>
+              <a:t>소문자 구분하며</a:t>
+            </a:r>
+            <a:r>
+              <a:rPr lang="en-US" altLang="ko-KR" b="1" dirty="0" smtClean="0"/>
+              <a:t>,</a:t>
+            </a:r>
+            <a:r>
+              <a:rPr lang="ko-KR" altLang="en-US" b="1" dirty="0" smtClean="0"/>
+              <a:t> 일치하지 않으면 </a:t>
+            </a:r>
+            <a:r>
+              <a:rPr lang="en-US" altLang="ko-KR" b="1" dirty="0" smtClean="0"/>
+              <a:t>-1 </a:t>
+            </a:r>
+            <a:r>
+              <a:rPr lang="ko-KR" altLang="en-US" b="1" dirty="0" smtClean="0"/>
+              <a:t>반환</a:t>
+            </a:r>
+            <a:endParaRPr lang="en-US" altLang="ko-KR" b="1" dirty="0" smtClean="0"/>
+          </a:p>
+          <a:p>
+            <a:pPr>
+              <a:lnSpc>
+                <a:spcPct val="150000"/>
+              </a:lnSpc>
+            </a:pPr>
+            <a:r>
+              <a:rPr lang="en-US" altLang="ko-KR" sz="2000" b="1" dirty="0"/>
+              <a:t> </a:t>
+            </a:r>
+            <a:r>
+              <a:rPr lang="en-US" altLang="ko-KR" sz="2000" b="1" dirty="0" smtClean="0"/>
+              <a:t>  </a:t>
+            </a:r>
+            <a:r>
+              <a:rPr lang="en-US" altLang="ko-KR" sz="2000" b="1" dirty="0" err="1" smtClean="0"/>
+              <a:t>lastIndexOf</a:t>
+            </a:r>
+            <a:r>
+              <a:rPr lang="en-US" altLang="ko-KR" sz="2000" b="1" dirty="0" smtClean="0"/>
+              <a:t>()</a:t>
+            </a:r>
+            <a:r>
+              <a:rPr lang="ko-KR" altLang="en-US" sz="2000" b="1" dirty="0" smtClean="0"/>
+              <a:t>함수 </a:t>
+            </a:r>
+            <a:r>
+              <a:rPr lang="en-US" altLang="ko-KR" sz="2000" b="1" dirty="0" smtClean="0"/>
+              <a:t>– </a:t>
+            </a:r>
+            <a:r>
+              <a:rPr lang="ko-KR" altLang="en-US" b="1" dirty="0" smtClean="0"/>
+              <a:t>특정한 문자열의 뒤에서 </a:t>
+            </a:r>
+            <a:r>
+              <a:rPr lang="ko-KR" altLang="en-US" b="1" dirty="0" err="1" smtClean="0"/>
+              <a:t>첫번째</a:t>
+            </a:r>
+            <a:r>
+              <a:rPr lang="ko-KR" altLang="en-US" b="1" dirty="0" smtClean="0"/>
+              <a:t> 위치를 반환</a:t>
+            </a:r>
+            <a:endParaRPr lang="en-US" altLang="ko-KR" sz="2000" b="1" dirty="0" smtClean="0"/>
           </a:p>
         </p:txBody>
       </p:sp>
       <p:pic>
         <p:nvPicPr>
-          <p:cNvPr id="9" name="그림 8"/>
+          <p:cNvPr id="6" name="그림 5"/>
           <p:cNvPicPr>
             <a:picLocks noChangeAspect="1"/>
           </p:cNvPicPr>
@@ -6439,27 +6212,31 @@
         </p:blipFill>
         <p:spPr>
           <a:xfrm>
-            <a:off x="1928811" y="3360043"/>
-            <a:ext cx="1637938" cy="511314"/>
+            <a:off x="1822162" y="2823434"/>
+            <a:ext cx="5913633" cy="3208298"/>
           </a:xfrm>
           <a:prstGeom prst="rect">
             <a:avLst/>
           </a:prstGeom>
           <a:ln>
-            <a:noFill/>
+            <a:solidFill>
+              <a:schemeClr val="bg1">
+                <a:lumMod val="85000"/>
+              </a:schemeClr>
+            </a:solidFill>
           </a:ln>
         </p:spPr>
       </p:pic>
       <p:sp>
         <p:nvSpPr>
-          <p:cNvPr id="8" name="TextBox 7"/>
+          <p:cNvPr id="7" name="TextBox 6"/>
           <p:cNvSpPr txBox="1"/>
           <p:nvPr/>
         </p:nvSpPr>
         <p:spPr>
           <a:xfrm>
-            <a:off x="1928811" y="2877036"/>
-            <a:ext cx="1512315" cy="338554"/>
+            <a:off x="7041232" y="2858367"/>
+            <a:ext cx="1872208" cy="338554"/>
           </a:xfrm>
           <a:prstGeom prst="rect">
             <a:avLst/>
@@ -6473,29 +6250,25 @@
           <a:lstStyle/>
           <a:p>
             <a:r>
-              <a:rPr lang="ko-KR" altLang="en-US" sz="1600" smtClean="0"/>
-              <a:t>☞ 실</a:t>
-            </a:r>
-            <a:r>
-              <a:rPr lang="ko-KR" altLang="en-US" sz="1600"/>
-              <a:t>행</a:t>
-            </a:r>
-            <a:r>
-              <a:rPr lang="ko-KR" altLang="en-US" sz="1600" smtClean="0"/>
-              <a:t> </a:t>
-            </a:r>
-            <a:r>
-              <a:rPr lang="ko-KR" altLang="en-US" sz="1600" dirty="0" smtClean="0"/>
-              <a:t>결과</a:t>
-            </a:r>
-            <a:endParaRPr lang="ko-KR" altLang="en-US" sz="1600" dirty="0"/>
+              <a:rPr lang="en-US" altLang="ko-KR" sz="1600" dirty="0" smtClean="0">
+                <a:solidFill>
+                  <a:srgbClr val="FF0000"/>
+                </a:solidFill>
+              </a:rPr>
+              <a:t>indexof.html</a:t>
+            </a:r>
+            <a:endParaRPr lang="ko-KR" altLang="en-US" sz="1600" dirty="0">
+              <a:solidFill>
+                <a:srgbClr val="FF0000"/>
+              </a:solidFill>
+            </a:endParaRPr>
           </a:p>
         </p:txBody>
       </p:sp>
     </p:spTree>
     <p:extLst>
       <p:ext uri="{BB962C8B-B14F-4D97-AF65-F5344CB8AC3E}">
-        <p14:creationId xmlns:p14="http://schemas.microsoft.com/office/powerpoint/2010/main" val="1747891763"/>
+        <p14:creationId xmlns:p14="http://schemas.microsoft.com/office/powerpoint/2010/main" val="3046975340"/>
       </p:ext>
     </p:extLst>
   </p:cSld>
@@ -6554,11 +6327,7 @@
             <a:pPr algn="ctr"/>
             <a:r>
               <a:rPr lang="ko-KR" altLang="en-US" sz="2800" dirty="0" smtClean="0"/>
-              <a:t>내장 객체 </a:t>
-            </a:r>
-            <a:r>
-              <a:rPr lang="en-US" altLang="ko-KR" sz="2800" dirty="0" smtClean="0"/>
-              <a:t>- Array</a:t>
+              <a:t>배열의 객체 함수 연습문제</a:t>
             </a:r>
             <a:endParaRPr lang="ko-KR" altLang="en-US" sz="2800" dirty="0"/>
           </a:p>
@@ -6589,25 +6358,30 @@
       </p:sp>
       <p:sp>
         <p:nvSpPr>
-          <p:cNvPr id="5" name="TextBox 4"/>
-          <p:cNvSpPr txBox="1"/>
+          <p:cNvPr id="7" name="직사각형 6"/>
+          <p:cNvSpPr/>
           <p:nvPr/>
         </p:nvSpPr>
         <p:spPr>
           <a:xfrm>
-            <a:off x="704527" y="1290826"/>
-            <a:ext cx="8148905" cy="1477328"/>
+            <a:off x="632520" y="1076543"/>
+            <a:ext cx="8856984" cy="1615827"/>
           </a:xfrm>
           <a:prstGeom prst="rect">
             <a:avLst/>
           </a:prstGeom>
-          <a:noFill/>
-        </p:spPr>
-        <p:txBody>
-          <a:bodyPr wrap="square" rtlCol="0">
+        </p:spPr>
+        <p:txBody>
+          <a:bodyPr wrap="square">
             <a:spAutoFit/>
           </a:bodyPr>
           <a:lstStyle/>
+          <a:p>
+            <a:r>
+              <a:rPr lang="en-US" altLang="ko-KR" dirty="0" smtClean="0"/>
+              <a:t>-----------------------------------------------------------------------------------------</a:t>
+            </a:r>
+          </a:p>
           <a:p>
             <a:pPr>
               <a:lnSpc>
@@ -6616,37 +6390,48 @@
             </a:pPr>
             <a:r>
               <a:rPr lang="en-US" altLang="ko-KR" dirty="0" smtClean="0"/>
-              <a:t>   </a:t>
-            </a:r>
-            <a:r>
-              <a:rPr lang="en-US" altLang="ko-KR" sz="2000" b="1" dirty="0" err="1" smtClean="0"/>
-              <a:t>indexOf</a:t>
-            </a:r>
-            <a:r>
-              <a:rPr lang="en-US" altLang="ko-KR" sz="2000" b="1" dirty="0" smtClean="0"/>
-              <a:t>()</a:t>
-            </a:r>
-            <a:r>
-              <a:rPr lang="ko-KR" altLang="en-US" sz="2000" b="1" dirty="0" smtClean="0"/>
-              <a:t>함수 </a:t>
-            </a:r>
-            <a:r>
-              <a:rPr lang="en-US" altLang="ko-KR" sz="2000" b="1" dirty="0" smtClean="0"/>
-              <a:t>– </a:t>
-            </a:r>
-            <a:r>
-              <a:rPr lang="ko-KR" altLang="en-US" b="1" dirty="0" smtClean="0"/>
-              <a:t>특정한 문자열의 </a:t>
-            </a:r>
-            <a:r>
-              <a:rPr lang="ko-KR" altLang="en-US" b="1" dirty="0" err="1" smtClean="0"/>
-              <a:t>첫번째</a:t>
-            </a:r>
-            <a:r>
-              <a:rPr lang="ko-KR" altLang="en-US" b="1" dirty="0" smtClean="0"/>
-              <a:t> 위치를 반환</a:t>
-            </a:r>
-            <a:endParaRPr lang="en-US" altLang="ko-KR" b="1" dirty="0" smtClean="0"/>
+              <a:t>  1</a:t>
+            </a:r>
+            <a:r>
+              <a:rPr lang="ko-KR" altLang="en-US" dirty="0" smtClean="0"/>
+              <a:t>부터 </a:t>
+            </a:r>
+            <a:r>
+              <a:rPr lang="en-US" altLang="ko-KR" dirty="0" smtClean="0"/>
+              <a:t>10</a:t>
+            </a:r>
+            <a:r>
+              <a:rPr lang="ko-KR" altLang="en-US" dirty="0" smtClean="0"/>
+              <a:t>까지의 자연수 중 홀수를 사용하여</a:t>
+            </a:r>
+            <a:r>
+              <a:rPr lang="en-US" altLang="ko-KR" dirty="0" smtClean="0"/>
+              <a:t> </a:t>
+            </a:r>
+            <a:r>
+              <a:rPr lang="ko-KR" altLang="en-US" dirty="0" smtClean="0"/>
+              <a:t>합을 구하고</a:t>
+            </a:r>
+            <a:r>
+              <a:rPr lang="en-US" altLang="ko-KR" dirty="0" smtClean="0"/>
+              <a:t>,</a:t>
+            </a:r>
+            <a:r>
+              <a:rPr lang="ko-KR" altLang="en-US" dirty="0" smtClean="0"/>
+              <a:t> 그 합을 배열의 맨 뒤에 추가하여 출력하는 프로그램을 작성하세요</a:t>
+            </a:r>
+            <a:r>
+              <a:rPr lang="en-US" altLang="ko-KR" dirty="0" smtClean="0"/>
+              <a:t>(</a:t>
+            </a:r>
+            <a:r>
+              <a:rPr lang="ko-KR" altLang="en-US" dirty="0" smtClean="0"/>
+              <a:t>파일 </a:t>
+            </a:r>
+            <a:r>
+              <a:rPr lang="en-US" altLang="ko-KR" dirty="0" smtClean="0"/>
+              <a:t>: sum-push.html)</a:t>
+            </a:r>
           </a:p>
           <a:p>
             <a:pPr>
@@ -6655,92 +6440,16 @@
               </a:lnSpc>
             </a:pPr>
             <a:r>
-              <a:rPr lang="en-US" altLang="ko-KR" sz="2000" b="1" dirty="0"/>
-              <a:t> </a:t>
-            </a:r>
-            <a:r>
-              <a:rPr lang="en-US" altLang="ko-KR" sz="2000" b="1" dirty="0" smtClean="0"/>
-              <a:t>                        </a:t>
-            </a:r>
-            <a:r>
-              <a:rPr lang="ko-KR" altLang="en-US" b="1" dirty="0" smtClean="0"/>
-              <a:t>대</a:t>
-            </a:r>
-            <a:r>
-              <a:rPr lang="en-US" altLang="ko-KR" b="1" dirty="0" smtClean="0"/>
-              <a:t>, </a:t>
-            </a:r>
-            <a:r>
-              <a:rPr lang="ko-KR" altLang="en-US" b="1" dirty="0" smtClean="0"/>
-              <a:t>소문자 구분하며</a:t>
-            </a:r>
-            <a:r>
-              <a:rPr lang="en-US" altLang="ko-KR" b="1" dirty="0" smtClean="0"/>
-              <a:t>,</a:t>
-            </a:r>
-            <a:r>
-              <a:rPr lang="ko-KR" altLang="en-US" b="1" dirty="0" smtClean="0"/>
-              <a:t> 일치하지 않으면 </a:t>
-            </a:r>
-            <a:r>
-              <a:rPr lang="en-US" altLang="ko-KR" b="1" dirty="0" smtClean="0"/>
-              <a:t>-1 </a:t>
-            </a:r>
-            <a:r>
-              <a:rPr lang="ko-KR" altLang="en-US" b="1" dirty="0" smtClean="0"/>
-              <a:t>반환</a:t>
-            </a:r>
-            <a:endParaRPr lang="en-US" altLang="ko-KR" b="1" dirty="0" smtClean="0"/>
-          </a:p>
-          <a:p>
-            <a:pPr>
-              <a:lnSpc>
-                <a:spcPct val="150000"/>
-              </a:lnSpc>
-            </a:pPr>
-            <a:r>
-              <a:rPr lang="en-US" altLang="ko-KR" sz="2000" b="1" dirty="0"/>
-              <a:t> </a:t>
-            </a:r>
-            <a:r>
-              <a:rPr lang="en-US" altLang="ko-KR" sz="2000" b="1" dirty="0" smtClean="0"/>
-              <a:t>  </a:t>
-            </a:r>
-            <a:r>
-              <a:rPr lang="en-US" altLang="ko-KR" sz="2000" b="1" dirty="0" err="1" smtClean="0"/>
-              <a:t>lastIndexOf</a:t>
-            </a:r>
-            <a:r>
-              <a:rPr lang="en-US" altLang="ko-KR" sz="2000" b="1" dirty="0" smtClean="0"/>
-              <a:t>()</a:t>
-            </a:r>
-            <a:r>
-              <a:rPr lang="ko-KR" altLang="en-US" sz="2000" b="1" dirty="0" smtClean="0"/>
-              <a:t>함수 </a:t>
-            </a:r>
-            <a:r>
-              <a:rPr lang="en-US" altLang="ko-KR" sz="2000" b="1" dirty="0" smtClean="0"/>
-              <a:t>– </a:t>
-            </a:r>
-            <a:r>
-              <a:rPr lang="ko-KR" altLang="en-US" b="1" dirty="0" smtClean="0"/>
-              <a:t>특정한 문자열의 뒤에서 </a:t>
-            </a:r>
-            <a:r>
-              <a:rPr lang="ko-KR" altLang="en-US" b="1" dirty="0" err="1" smtClean="0"/>
-              <a:t>첫번째</a:t>
-            </a:r>
-            <a:r>
-              <a:rPr lang="ko-KR" altLang="en-US" b="1" dirty="0" smtClean="0"/>
-              <a:t> 위치를 반환</a:t>
-            </a:r>
-            <a:endParaRPr lang="en-US" altLang="ko-KR" sz="2000" b="1" dirty="0" smtClean="0"/>
+              <a:rPr lang="en-US" altLang="ko-KR" dirty="0" smtClean="0"/>
+              <a:t>------------------------------------------------------------------------------------------</a:t>
+            </a:r>
+            <a:endParaRPr lang="ko-KR" altLang="en-US" dirty="0"/>
           </a:p>
         </p:txBody>
       </p:sp>
       <p:pic>
         <p:nvPicPr>
-          <p:cNvPr id="6" name="그림 5"/>
+          <p:cNvPr id="9" name="그림 8"/>
           <p:cNvPicPr>
             <a:picLocks noChangeAspect="1"/>
           </p:cNvPicPr>
@@ -6760,31 +6469,27 @@
         </p:blipFill>
         <p:spPr>
           <a:xfrm>
-            <a:off x="1822162" y="2823434"/>
-            <a:ext cx="5913633" cy="3208298"/>
+            <a:off x="1928811" y="3360043"/>
+            <a:ext cx="1637938" cy="511314"/>
           </a:xfrm>
           <a:prstGeom prst="rect">
             <a:avLst/>
           </a:prstGeom>
           <a:ln>
-            <a:solidFill>
-              <a:schemeClr val="bg1">
-                <a:lumMod val="85000"/>
-              </a:schemeClr>
-            </a:solidFill>
+            <a:noFill/>
           </a:ln>
         </p:spPr>
       </p:pic>
       <p:sp>
         <p:nvSpPr>
-          <p:cNvPr id="7" name="TextBox 6"/>
+          <p:cNvPr id="8" name="TextBox 7"/>
           <p:cNvSpPr txBox="1"/>
           <p:nvPr/>
         </p:nvSpPr>
         <p:spPr>
           <a:xfrm>
-            <a:off x="7041232" y="2858367"/>
-            <a:ext cx="1872208" cy="338554"/>
+            <a:off x="1928811" y="2877036"/>
+            <a:ext cx="1512315" cy="338554"/>
           </a:xfrm>
           <a:prstGeom prst="rect">
             <a:avLst/>
@@ -6798,25 +6503,29 @@
           <a:lstStyle/>
           <a:p>
             <a:r>
-              <a:rPr lang="en-US" altLang="ko-KR" sz="1600" dirty="0" smtClean="0">
-                <a:solidFill>
-                  <a:srgbClr val="FF0000"/>
-                </a:solidFill>
-              </a:rPr>
-              <a:t>indexof.html</a:t>
-            </a:r>
-            <a:endParaRPr lang="ko-KR" altLang="en-US" sz="1600" dirty="0">
-              <a:solidFill>
-                <a:srgbClr val="FF0000"/>
-              </a:solidFill>
-            </a:endParaRPr>
+              <a:rPr lang="ko-KR" altLang="en-US" sz="1600" smtClean="0"/>
+              <a:t>☞ 실</a:t>
+            </a:r>
+            <a:r>
+              <a:rPr lang="ko-KR" altLang="en-US" sz="1600"/>
+              <a:t>행</a:t>
+            </a:r>
+            <a:r>
+              <a:rPr lang="ko-KR" altLang="en-US" sz="1600" smtClean="0"/>
+              <a:t> </a:t>
+            </a:r>
+            <a:r>
+              <a:rPr lang="ko-KR" altLang="en-US" sz="1600" dirty="0" smtClean="0"/>
+              <a:t>결과</a:t>
+            </a:r>
+            <a:endParaRPr lang="ko-KR" altLang="en-US" sz="1600" dirty="0"/>
           </a:p>
         </p:txBody>
       </p:sp>
     </p:spTree>
     <p:extLst>
       <p:ext uri="{BB962C8B-B14F-4D97-AF65-F5344CB8AC3E}">
-        <p14:creationId xmlns:p14="http://schemas.microsoft.com/office/powerpoint/2010/main" val="3046975340"/>
+        <p14:creationId xmlns:p14="http://schemas.microsoft.com/office/powerpoint/2010/main" val="1747891763"/>
       </p:ext>
     </p:extLst>
   </p:cSld>
@@ -7101,15 +6810,7 @@
                   <a:srgbClr val="FF0000"/>
                 </a:solidFill>
               </a:rPr>
-              <a:t>map</a:t>
-            </a:r>
-            <a:r>
-              <a:rPr lang="en-US" altLang="ko-KR" sz="1600" dirty="0" smtClean="0">
-                <a:solidFill>
-                  <a:srgbClr val="FF0000"/>
-                </a:solidFill>
-              </a:rPr>
-              <a:t>.html</a:t>
+              <a:t>map.html</a:t>
             </a:r>
             <a:endParaRPr lang="ko-KR" altLang="en-US" sz="1600" dirty="0">
               <a:solidFill>
@@ -8137,11 +7838,41 @@
                 <a:tableStyleId>{5940675A-B579-460E-94D1-54222C63F5DA}</a:tableStyleId>
               </a:tblPr>
               <a:tblGrid>
-                <a:gridCol w="626986"/>
-                <a:gridCol w="677487"/>
-                <a:gridCol w="677487"/>
-                <a:gridCol w="1042375"/>
-                <a:gridCol w="576065"/>
+                <a:gridCol w="626986">
+                  <a:extLst>
+                    <a:ext uri="{9D8B030D-6E8A-4147-A177-3AD203B41FA5}">
+                      <a16:colId xmlns:a16="http://schemas.microsoft.com/office/drawing/2014/main" val="20000"/>
+                    </a:ext>
+                  </a:extLst>
+                </a:gridCol>
+                <a:gridCol w="677487">
+                  <a:extLst>
+                    <a:ext uri="{9D8B030D-6E8A-4147-A177-3AD203B41FA5}">
+                      <a16:colId xmlns:a16="http://schemas.microsoft.com/office/drawing/2014/main" val="20001"/>
+                    </a:ext>
+                  </a:extLst>
+                </a:gridCol>
+                <a:gridCol w="677487">
+                  <a:extLst>
+                    <a:ext uri="{9D8B030D-6E8A-4147-A177-3AD203B41FA5}">
+                      <a16:colId xmlns:a16="http://schemas.microsoft.com/office/drawing/2014/main" val="20002"/>
+                    </a:ext>
+                  </a:extLst>
+                </a:gridCol>
+                <a:gridCol w="1042375">
+                  <a:extLst>
+                    <a:ext uri="{9D8B030D-6E8A-4147-A177-3AD203B41FA5}">
+                      <a16:colId xmlns:a16="http://schemas.microsoft.com/office/drawing/2014/main" val="20003"/>
+                    </a:ext>
+                  </a:extLst>
+                </a:gridCol>
+                <a:gridCol w="576065">
+                  <a:extLst>
+                    <a:ext uri="{9D8B030D-6E8A-4147-A177-3AD203B41FA5}">
+                      <a16:colId xmlns:a16="http://schemas.microsoft.com/office/drawing/2014/main" val="20004"/>
+                    </a:ext>
+                  </a:extLst>
+                </a:gridCol>
               </a:tblGrid>
               <a:tr h="392020">
                 <a:tc>
@@ -8211,6 +7942,11 @@
                   </a:txBody>
                   <a:tcPr anchor="ctr"/>
                 </a:tc>
+                <a:extLst>
+                  <a:ext uri="{0D108BD9-81ED-4DB2-BD59-A6C34878D82A}">
+                    <a16:rowId xmlns:a16="http://schemas.microsoft.com/office/drawing/2014/main" val="10000"/>
+                  </a:ext>
+                </a:extLst>
               </a:tr>
             </a:tbl>
           </a:graphicData>
@@ -8455,221 +8191,6 @@
       </p:grpSpPr>
       <p:sp>
         <p:nvSpPr>
-          <p:cNvPr id="2" name="제목 1"/>
-          <p:cNvSpPr>
-            <a:spLocks noGrp="1"/>
-          </p:cNvSpPr>
-          <p:nvPr>
-            <p:ph type="title"/>
-          </p:nvPr>
-        </p:nvSpPr>
-        <p:spPr>
-          <a:xfrm>
-            <a:off x="416497" y="197768"/>
-            <a:ext cx="6412780" cy="854968"/>
-          </a:xfrm>
-        </p:spPr>
-        <p:txBody>
-          <a:bodyPr>
-            <a:noAutofit/>
-          </a:bodyPr>
-          <a:lstStyle/>
-          <a:p>
-            <a:pPr algn="ctr"/>
-            <a:r>
-              <a:rPr lang="ko-KR" altLang="en-US" sz="2800" dirty="0" smtClean="0"/>
-              <a:t>내장 객체 </a:t>
-            </a:r>
-            <a:r>
-              <a:rPr lang="en-US" altLang="ko-KR" sz="2800" dirty="0" smtClean="0"/>
-              <a:t>- Array</a:t>
-            </a:r>
-            <a:endParaRPr lang="ko-KR" altLang="en-US" sz="2800" dirty="0"/>
-          </a:p>
-        </p:txBody>
-      </p:sp>
-      <p:sp>
-        <p:nvSpPr>
-          <p:cNvPr id="4" name="슬라이드 번호 개체 틀 3"/>
-          <p:cNvSpPr>
-            <a:spLocks noGrp="1"/>
-          </p:cNvSpPr>
-          <p:nvPr>
-            <p:ph type="sldNum" sz="quarter" idx="12"/>
-          </p:nvPr>
-        </p:nvSpPr>
-        <p:spPr/>
-        <p:txBody>
-          <a:bodyPr/>
-          <a:lstStyle/>
-          <a:p>
-            <a:fld id="{1BDE3FE7-3AEA-4B05-AC5A-802D1816ACF0}" type="slidenum">
-              <a:rPr lang="ko-KR" altLang="en-US" smtClean="0"/>
-              <a:t>20</a:t>
-            </a:fld>
-            <a:endParaRPr lang="ko-KR" altLang="en-US"/>
-          </a:p>
-        </p:txBody>
-      </p:sp>
-      <p:pic>
-        <p:nvPicPr>
-          <p:cNvPr id="6" name="그림 5"/>
-          <p:cNvPicPr>
-            <a:picLocks noChangeAspect="1"/>
-          </p:cNvPicPr>
-          <p:nvPr/>
-        </p:nvPicPr>
-        <p:blipFill>
-          <a:blip r:embed="rId2">
-            <a:extLst>
-              <a:ext uri="{28A0092B-C50C-407E-A947-70E740481C1C}">
-                <a14:useLocalDpi xmlns:a14="http://schemas.microsoft.com/office/drawing/2010/main" val="0"/>
-              </a:ext>
-            </a:extLst>
-          </a:blip>
-          <a:stretch>
-            <a:fillRect/>
-          </a:stretch>
-        </p:blipFill>
-        <p:spPr>
-          <a:xfrm>
-            <a:off x="1640632" y="2180036"/>
-            <a:ext cx="6624736" cy="3732869"/>
-          </a:xfrm>
-          <a:prstGeom prst="rect">
-            <a:avLst/>
-          </a:prstGeom>
-          <a:ln>
-            <a:solidFill>
-              <a:schemeClr val="bg1">
-                <a:lumMod val="85000"/>
-              </a:schemeClr>
-            </a:solidFill>
-          </a:ln>
-        </p:spPr>
-      </p:pic>
-      <p:pic>
-        <p:nvPicPr>
-          <p:cNvPr id="9" name="그림 8"/>
-          <p:cNvPicPr>
-            <a:picLocks noChangeAspect="1"/>
-          </p:cNvPicPr>
-          <p:nvPr/>
-        </p:nvPicPr>
-        <p:blipFill>
-          <a:blip r:embed="rId3">
-            <a:extLst>
-              <a:ext uri="{28A0092B-C50C-407E-A947-70E740481C1C}">
-                <a14:useLocalDpi xmlns:a14="http://schemas.microsoft.com/office/drawing/2010/main" val="0"/>
-              </a:ext>
-            </a:extLst>
-          </a:blip>
-          <a:stretch>
-            <a:fillRect/>
-          </a:stretch>
-        </p:blipFill>
-        <p:spPr>
-          <a:xfrm>
-            <a:off x="6110221" y="1738188"/>
-            <a:ext cx="2433061" cy="1042740"/>
-          </a:xfrm>
-          <a:prstGeom prst="rect">
-            <a:avLst/>
-          </a:prstGeom>
-          <a:ln>
-            <a:solidFill>
-              <a:schemeClr val="bg1">
-                <a:lumMod val="85000"/>
-              </a:schemeClr>
-            </a:solidFill>
-          </a:ln>
-        </p:spPr>
-      </p:pic>
-      <p:sp>
-        <p:nvSpPr>
-          <p:cNvPr id="10" name="TextBox 9"/>
-          <p:cNvSpPr txBox="1"/>
-          <p:nvPr/>
-        </p:nvSpPr>
-        <p:spPr>
-          <a:xfrm>
-            <a:off x="1606833" y="1568911"/>
-            <a:ext cx="1224136" cy="338554"/>
-          </a:xfrm>
-          <a:prstGeom prst="rect">
-            <a:avLst/>
-          </a:prstGeom>
-          <a:noFill/>
-        </p:spPr>
-        <p:txBody>
-          <a:bodyPr wrap="square" rtlCol="0">
-            <a:spAutoFit/>
-          </a:bodyPr>
-          <a:lstStyle/>
-          <a:p>
-            <a:r>
-              <a:rPr lang="en-US" altLang="ko-KR" sz="1600" dirty="0" smtClean="0">
-                <a:solidFill>
-                  <a:srgbClr val="FF0000"/>
-                </a:solidFill>
-              </a:rPr>
-              <a:t>map2</a:t>
-            </a:r>
-            <a:r>
-              <a:rPr lang="en-US" altLang="ko-KR" sz="1600" dirty="0" smtClean="0">
-                <a:solidFill>
-                  <a:srgbClr val="FF0000"/>
-                </a:solidFill>
-              </a:rPr>
-              <a:t>.html</a:t>
-            </a:r>
-            <a:endParaRPr lang="ko-KR" altLang="en-US" sz="1600" dirty="0">
-              <a:solidFill>
-                <a:srgbClr val="FF0000"/>
-              </a:solidFill>
-            </a:endParaRPr>
-          </a:p>
-        </p:txBody>
-      </p:sp>
-    </p:spTree>
-    <p:extLst>
-      <p:ext uri="{BB962C8B-B14F-4D97-AF65-F5344CB8AC3E}">
-        <p14:creationId xmlns:p14="http://schemas.microsoft.com/office/powerpoint/2010/main" val="20646741"/>
-      </p:ext>
-    </p:extLst>
-  </p:cSld>
-  <p:clrMapOvr>
-    <a:masterClrMapping/>
-  </p:clrMapOvr>
-  <p:timing>
-    <p:tnLst>
-      <p:par>
-        <p:cTn id="1" dur="indefinite" restart="never" nodeType="tmRoot"/>
-      </p:par>
-    </p:tnLst>
-  </p:timing>
-</p:sld>
-</file>
-
-<file path=ppt/slides/slide21.xml><?xml version="1.0" encoding="utf-8"?>
-<p:sld xmlns:a="http://schemas.openxmlformats.org/drawingml/2006/main" xmlns:r="http://schemas.openxmlformats.org/officeDocument/2006/relationships" xmlns:p="http://schemas.openxmlformats.org/presentationml/2006/main">
-  <p:cSld>
-    <p:spTree>
-      <p:nvGrpSpPr>
-        <p:cNvPr id="1" name=""/>
-        <p:cNvGrpSpPr/>
-        <p:nvPr/>
-      </p:nvGrpSpPr>
-      <p:grpSpPr>
-        <a:xfrm>
-          <a:off x="0" y="0"/>
-          <a:ext cx="0" cy="0"/>
-          <a:chOff x="0" y="0"/>
-          <a:chExt cx="0" cy="0"/>
-        </a:xfrm>
-      </p:grpSpPr>
-      <p:sp>
-        <p:nvSpPr>
           <p:cNvPr id="6" name="제목 5"/>
           <p:cNvSpPr>
             <a:spLocks noGrp="1"/>
@@ -8715,7 +8236,7 @@
           <a:p>
             <a:fld id="{1BDE3FE7-3AEA-4B05-AC5A-802D1816ACF0}" type="slidenum">
               <a:rPr lang="ko-KR" altLang="en-US" smtClean="0"/>
-              <a:t>21</a:t>
+              <a:t>20</a:t>
             </a:fld>
             <a:endParaRPr lang="ko-KR" altLang="en-US"/>
           </a:p>
@@ -8726,7 +8247,7 @@
           <p:cNvPr id="7" name="내용 개체 틀 2">
             <a:extLst>
               <a:ext uri="{FF2B5EF4-FFF2-40B4-BE49-F238E27FC236}">
-                <a16:creationId xmlns="" xmlns:a16="http://schemas.microsoft.com/office/drawing/2014/main" id="{98AF3A4E-7D90-4241-89FE-799D6F9D5A94}"/>
+                <a16:creationId xmlns:a16="http://schemas.microsoft.com/office/drawing/2014/main" id="{98AF3A4E-7D90-4241-89FE-799D6F9D5A94}"/>
               </a:ext>
             </a:extLst>
           </p:cNvPr>
@@ -9305,9 +8826,27 @@
                 <a:tableStyleId>{5940675A-B579-460E-94D1-54222C63F5DA}</a:tableStyleId>
               </a:tblPr>
               <a:tblGrid>
-                <a:gridCol w="960107"/>
-                <a:gridCol w="960107"/>
-                <a:gridCol w="960107"/>
+                <a:gridCol w="960107">
+                  <a:extLst>
+                    <a:ext uri="{9D8B030D-6E8A-4147-A177-3AD203B41FA5}">
+                      <a16:colId xmlns:a16="http://schemas.microsoft.com/office/drawing/2014/main" val="20000"/>
+                    </a:ext>
+                  </a:extLst>
+                </a:gridCol>
+                <a:gridCol w="960107">
+                  <a:extLst>
+                    <a:ext uri="{9D8B030D-6E8A-4147-A177-3AD203B41FA5}">
+                      <a16:colId xmlns:a16="http://schemas.microsoft.com/office/drawing/2014/main" val="20001"/>
+                    </a:ext>
+                  </a:extLst>
+                </a:gridCol>
+                <a:gridCol w="960107">
+                  <a:extLst>
+                    <a:ext uri="{9D8B030D-6E8A-4147-A177-3AD203B41FA5}">
+                      <a16:colId xmlns:a16="http://schemas.microsoft.com/office/drawing/2014/main" val="20002"/>
+                    </a:ext>
+                  </a:extLst>
+                </a:gridCol>
               </a:tblGrid>
               <a:tr h="498304">
                 <a:tc>
@@ -9347,6 +8886,11 @@
                   </a:txBody>
                   <a:tcPr anchor="ctr"/>
                 </a:tc>
+                <a:extLst>
+                  <a:ext uri="{0D108BD9-81ED-4DB2-BD59-A6C34878D82A}">
+                    <a16:rowId xmlns:a16="http://schemas.microsoft.com/office/drawing/2014/main" val="10000"/>
+                  </a:ext>
+                </a:extLst>
               </a:tr>
               <a:tr h="498304">
                 <a:tc>
@@ -9386,6 +8930,11 @@
                   </a:txBody>
                   <a:tcPr anchor="ctr"/>
                 </a:tc>
+                <a:extLst>
+                  <a:ext uri="{0D108BD9-81ED-4DB2-BD59-A6C34878D82A}">
+                    <a16:rowId xmlns:a16="http://schemas.microsoft.com/office/drawing/2014/main" val="10001"/>
+                  </a:ext>
+                </a:extLst>
               </a:tr>
             </a:tbl>
           </a:graphicData>
@@ -9703,7 +9252,7 @@
 </p:sld>
 </file>
 
-<file path=ppt/slides/slide22.xml><?xml version="1.0" encoding="utf-8"?>
+<file path=ppt/slides/slide21.xml><?xml version="1.0" encoding="utf-8"?>
 <p:sld xmlns:a="http://schemas.openxmlformats.org/drawingml/2006/main" xmlns:r="http://schemas.openxmlformats.org/officeDocument/2006/relationships" xmlns:p="http://schemas.openxmlformats.org/presentationml/2006/main">
   <p:cSld>
     <p:spTree>
@@ -9772,7 +9321,7 @@
           <a:p>
             <a:fld id="{1BDE3FE7-3AEA-4B05-AC5A-802D1816ACF0}" type="slidenum">
               <a:rPr lang="ko-KR" altLang="en-US" smtClean="0"/>
-              <a:t>22</a:t>
+              <a:t>21</a:t>
             </a:fld>
             <a:endParaRPr lang="ko-KR" altLang="en-US"/>
           </a:p>
@@ -9935,6 +9484,262 @@
     <p:extLst>
       <p:ext uri="{BB962C8B-B14F-4D97-AF65-F5344CB8AC3E}">
         <p14:creationId xmlns:p14="http://schemas.microsoft.com/office/powerpoint/2010/main" val="651125463"/>
+      </p:ext>
+    </p:extLst>
+  </p:cSld>
+  <p:clrMapOvr>
+    <a:masterClrMapping/>
+  </p:clrMapOvr>
+  <p:timing>
+    <p:tnLst>
+      <p:par>
+        <p:cTn id="1" dur="indefinite" restart="never" nodeType="tmRoot"/>
+      </p:par>
+    </p:tnLst>
+  </p:timing>
+</p:sld>
+</file>
+
+<file path=ppt/slides/slide22.xml><?xml version="1.0" encoding="utf-8"?>
+<p:sld xmlns:a="http://schemas.openxmlformats.org/drawingml/2006/main" xmlns:r="http://schemas.openxmlformats.org/officeDocument/2006/relationships" xmlns:p="http://schemas.openxmlformats.org/presentationml/2006/main">
+  <p:cSld>
+    <p:spTree>
+      <p:nvGrpSpPr>
+        <p:cNvPr id="1" name=""/>
+        <p:cNvGrpSpPr/>
+        <p:nvPr/>
+      </p:nvGrpSpPr>
+      <p:grpSpPr>
+        <a:xfrm>
+          <a:off x="0" y="0"/>
+          <a:ext cx="0" cy="0"/>
+          <a:chOff x="0" y="0"/>
+          <a:chExt cx="0" cy="0"/>
+        </a:xfrm>
+      </p:grpSpPr>
+      <p:sp>
+        <p:nvSpPr>
+          <p:cNvPr id="2" name="제목 1"/>
+          <p:cNvSpPr>
+            <a:spLocks noGrp="1"/>
+          </p:cNvSpPr>
+          <p:nvPr>
+            <p:ph type="title"/>
+          </p:nvPr>
+        </p:nvSpPr>
+        <p:spPr>
+          <a:xfrm>
+            <a:off x="416497" y="197768"/>
+            <a:ext cx="6412780" cy="854968"/>
+          </a:xfrm>
+        </p:spPr>
+        <p:txBody>
+          <a:bodyPr>
+            <a:noAutofit/>
+          </a:bodyPr>
+          <a:lstStyle/>
+          <a:p>
+            <a:pPr algn="ctr"/>
+            <a:r>
+              <a:rPr lang="ko-KR" altLang="en-US" sz="2800" dirty="0"/>
+              <a:t>다</a:t>
+            </a:r>
+            <a:r>
+              <a:rPr lang="ko-KR" altLang="en-US" sz="2800" dirty="0" smtClean="0"/>
+              <a:t>차원 배열</a:t>
+            </a:r>
+            <a:endParaRPr lang="ko-KR" altLang="en-US" sz="2800" dirty="0"/>
+          </a:p>
+        </p:txBody>
+      </p:sp>
+      <p:sp>
+        <p:nvSpPr>
+          <p:cNvPr id="4" name="슬라이드 번호 개체 틀 3"/>
+          <p:cNvSpPr>
+            <a:spLocks noGrp="1"/>
+          </p:cNvSpPr>
+          <p:nvPr>
+            <p:ph type="sldNum" sz="quarter" idx="12"/>
+          </p:nvPr>
+        </p:nvSpPr>
+        <p:spPr/>
+        <p:txBody>
+          <a:bodyPr/>
+          <a:lstStyle/>
+          <a:p>
+            <a:fld id="{1BDE3FE7-3AEA-4B05-AC5A-802D1816ACF0}" type="slidenum">
+              <a:rPr lang="ko-KR" altLang="en-US" smtClean="0"/>
+              <a:t>22</a:t>
+            </a:fld>
+            <a:endParaRPr lang="ko-KR" altLang="en-US"/>
+          </a:p>
+        </p:txBody>
+      </p:sp>
+      <p:sp>
+        <p:nvSpPr>
+          <p:cNvPr id="5" name="TextBox 4"/>
+          <p:cNvSpPr txBox="1"/>
+          <p:nvPr/>
+        </p:nvSpPr>
+        <p:spPr>
+          <a:xfrm>
+            <a:off x="848544" y="1236258"/>
+            <a:ext cx="4608512" cy="553998"/>
+          </a:xfrm>
+          <a:prstGeom prst="rect">
+            <a:avLst/>
+          </a:prstGeom>
+          <a:noFill/>
+        </p:spPr>
+        <p:txBody>
+          <a:bodyPr wrap="square" rtlCol="0">
+            <a:spAutoFit/>
+          </a:bodyPr>
+          <a:lstStyle/>
+          <a:p>
+            <a:pPr marL="285750" indent="-285750">
+              <a:lnSpc>
+                <a:spcPct val="150000"/>
+              </a:lnSpc>
+              <a:buFont typeface="Wingdings" panose="05000000000000000000" pitchFamily="2" charset="2"/>
+              <a:buChar char="v"/>
+            </a:pPr>
+            <a:r>
+              <a:rPr lang="en-US" altLang="ko-KR" sz="2000" b="1" dirty="0" smtClean="0"/>
+              <a:t>2</a:t>
+            </a:r>
+            <a:r>
+              <a:rPr lang="ko-KR" altLang="en-US" sz="2000" b="1" dirty="0" smtClean="0"/>
+              <a:t>차원 배열</a:t>
+            </a:r>
+            <a:r>
+              <a:rPr lang="ko-KR" altLang="en-US" sz="2000" b="1" dirty="0"/>
+              <a:t>의</a:t>
+            </a:r>
+            <a:r>
+              <a:rPr lang="ko-KR" altLang="en-US" sz="2000" b="1" dirty="0" smtClean="0"/>
+              <a:t> 총점과 평균 구하기</a:t>
+            </a:r>
+            <a:endParaRPr lang="en-US" altLang="ko-KR" b="1" dirty="0" smtClean="0"/>
+          </a:p>
+        </p:txBody>
+      </p:sp>
+      <p:pic>
+        <p:nvPicPr>
+          <p:cNvPr id="6" name="그림 5"/>
+          <p:cNvPicPr>
+            <a:picLocks noChangeAspect="1"/>
+          </p:cNvPicPr>
+          <p:nvPr/>
+        </p:nvPicPr>
+        <p:blipFill>
+          <a:blip r:embed="rId2">
+            <a:extLst>
+              <a:ext uri="{28A0092B-C50C-407E-A947-70E740481C1C}">
+                <a14:useLocalDpi xmlns:a14="http://schemas.microsoft.com/office/drawing/2010/main" val="0"/>
+              </a:ext>
+            </a:extLst>
+          </a:blip>
+          <a:stretch>
+            <a:fillRect/>
+          </a:stretch>
+        </p:blipFill>
+        <p:spPr>
+          <a:xfrm>
+            <a:off x="1064568" y="1876886"/>
+            <a:ext cx="4907706" cy="3208298"/>
+          </a:xfrm>
+          <a:prstGeom prst="rect">
+            <a:avLst/>
+          </a:prstGeom>
+          <a:ln>
+            <a:solidFill>
+              <a:schemeClr val="bg1">
+                <a:lumMod val="85000"/>
+              </a:schemeClr>
+            </a:solidFill>
+          </a:ln>
+        </p:spPr>
+      </p:pic>
+      <p:sp>
+        <p:nvSpPr>
+          <p:cNvPr id="8" name="TextBox 7"/>
+          <p:cNvSpPr txBox="1"/>
+          <p:nvPr/>
+        </p:nvSpPr>
+        <p:spPr>
+          <a:xfrm>
+            <a:off x="4880992" y="2636912"/>
+            <a:ext cx="1872208" cy="338554"/>
+          </a:xfrm>
+          <a:prstGeom prst="rect">
+            <a:avLst/>
+          </a:prstGeom>
+          <a:noFill/>
+        </p:spPr>
+        <p:txBody>
+          <a:bodyPr wrap="square" rtlCol="0">
+            <a:spAutoFit/>
+          </a:bodyPr>
+          <a:lstStyle/>
+          <a:p>
+            <a:r>
+              <a:rPr lang="en-US" altLang="ko-KR" sz="1600" dirty="0" smtClean="0">
+                <a:solidFill>
+                  <a:srgbClr val="FF0000"/>
+                </a:solidFill>
+              </a:rPr>
+              <a:t>array-2d-calc.html</a:t>
+            </a:r>
+            <a:endParaRPr lang="ko-KR" altLang="en-US" sz="1600" dirty="0">
+              <a:solidFill>
+                <a:srgbClr val="FF0000"/>
+              </a:solidFill>
+            </a:endParaRPr>
+          </a:p>
+        </p:txBody>
+      </p:sp>
+      <p:pic>
+        <p:nvPicPr>
+          <p:cNvPr id="9" name="그림 8"/>
+          <p:cNvPicPr>
+            <a:picLocks noChangeAspect="1"/>
+          </p:cNvPicPr>
+          <p:nvPr/>
+        </p:nvPicPr>
+        <p:blipFill>
+          <a:blip r:embed="rId3">
+            <a:extLst>
+              <a:ext uri="{28A0092B-C50C-407E-A947-70E740481C1C}">
+                <a14:useLocalDpi xmlns:a14="http://schemas.microsoft.com/office/drawing/2010/main" val="0"/>
+              </a:ext>
+            </a:extLst>
+          </a:blip>
+          <a:stretch>
+            <a:fillRect/>
+          </a:stretch>
+        </p:blipFill>
+        <p:spPr>
+          <a:xfrm>
+            <a:off x="4160912" y="4085143"/>
+            <a:ext cx="5372566" cy="1966131"/>
+          </a:xfrm>
+          <a:prstGeom prst="rect">
+            <a:avLst/>
+          </a:prstGeom>
+          <a:ln>
+            <a:solidFill>
+              <a:schemeClr val="bg1">
+                <a:lumMod val="85000"/>
+              </a:schemeClr>
+            </a:solidFill>
+          </a:ln>
+        </p:spPr>
+      </p:pic>
+    </p:spTree>
+    <p:extLst>
+      <p:ext uri="{BB962C8B-B14F-4D97-AF65-F5344CB8AC3E}">
+        <p14:creationId xmlns:p14="http://schemas.microsoft.com/office/powerpoint/2010/main" val="869334158"/>
       </p:ext>
     </p:extLst>
   </p:cSld>
@@ -10021,262 +9826,6 @@
             <a:fld id="{1BDE3FE7-3AEA-4B05-AC5A-802D1816ACF0}" type="slidenum">
               <a:rPr lang="ko-KR" altLang="en-US" smtClean="0"/>
               <a:t>23</a:t>
-            </a:fld>
-            <a:endParaRPr lang="ko-KR" altLang="en-US"/>
-          </a:p>
-        </p:txBody>
-      </p:sp>
-      <p:sp>
-        <p:nvSpPr>
-          <p:cNvPr id="5" name="TextBox 4"/>
-          <p:cNvSpPr txBox="1"/>
-          <p:nvPr/>
-        </p:nvSpPr>
-        <p:spPr>
-          <a:xfrm>
-            <a:off x="848544" y="1236258"/>
-            <a:ext cx="4608512" cy="553998"/>
-          </a:xfrm>
-          <a:prstGeom prst="rect">
-            <a:avLst/>
-          </a:prstGeom>
-          <a:noFill/>
-        </p:spPr>
-        <p:txBody>
-          <a:bodyPr wrap="square" rtlCol="0">
-            <a:spAutoFit/>
-          </a:bodyPr>
-          <a:lstStyle/>
-          <a:p>
-            <a:pPr marL="285750" indent="-285750">
-              <a:lnSpc>
-                <a:spcPct val="150000"/>
-              </a:lnSpc>
-              <a:buFont typeface="Wingdings" panose="05000000000000000000" pitchFamily="2" charset="2"/>
-              <a:buChar char="v"/>
-            </a:pPr>
-            <a:r>
-              <a:rPr lang="en-US" altLang="ko-KR" sz="2000" b="1" dirty="0" smtClean="0"/>
-              <a:t>2</a:t>
-            </a:r>
-            <a:r>
-              <a:rPr lang="ko-KR" altLang="en-US" sz="2000" b="1" dirty="0" smtClean="0"/>
-              <a:t>차원 배열</a:t>
-            </a:r>
-            <a:r>
-              <a:rPr lang="ko-KR" altLang="en-US" sz="2000" b="1" dirty="0"/>
-              <a:t>의</a:t>
-            </a:r>
-            <a:r>
-              <a:rPr lang="ko-KR" altLang="en-US" sz="2000" b="1" dirty="0" smtClean="0"/>
-              <a:t> 총점과 평균 구하기</a:t>
-            </a:r>
-            <a:endParaRPr lang="en-US" altLang="ko-KR" b="1" dirty="0" smtClean="0"/>
-          </a:p>
-        </p:txBody>
-      </p:sp>
-      <p:pic>
-        <p:nvPicPr>
-          <p:cNvPr id="6" name="그림 5"/>
-          <p:cNvPicPr>
-            <a:picLocks noChangeAspect="1"/>
-          </p:cNvPicPr>
-          <p:nvPr/>
-        </p:nvPicPr>
-        <p:blipFill>
-          <a:blip r:embed="rId2">
-            <a:extLst>
-              <a:ext uri="{28A0092B-C50C-407E-A947-70E740481C1C}">
-                <a14:useLocalDpi xmlns:a14="http://schemas.microsoft.com/office/drawing/2010/main" val="0"/>
-              </a:ext>
-            </a:extLst>
-          </a:blip>
-          <a:stretch>
-            <a:fillRect/>
-          </a:stretch>
-        </p:blipFill>
-        <p:spPr>
-          <a:xfrm>
-            <a:off x="1064568" y="1876886"/>
-            <a:ext cx="4907706" cy="3208298"/>
-          </a:xfrm>
-          <a:prstGeom prst="rect">
-            <a:avLst/>
-          </a:prstGeom>
-          <a:ln>
-            <a:solidFill>
-              <a:schemeClr val="bg1">
-                <a:lumMod val="85000"/>
-              </a:schemeClr>
-            </a:solidFill>
-          </a:ln>
-        </p:spPr>
-      </p:pic>
-      <p:sp>
-        <p:nvSpPr>
-          <p:cNvPr id="8" name="TextBox 7"/>
-          <p:cNvSpPr txBox="1"/>
-          <p:nvPr/>
-        </p:nvSpPr>
-        <p:spPr>
-          <a:xfrm>
-            <a:off x="4880992" y="2636912"/>
-            <a:ext cx="1872208" cy="338554"/>
-          </a:xfrm>
-          <a:prstGeom prst="rect">
-            <a:avLst/>
-          </a:prstGeom>
-          <a:noFill/>
-        </p:spPr>
-        <p:txBody>
-          <a:bodyPr wrap="square" rtlCol="0">
-            <a:spAutoFit/>
-          </a:bodyPr>
-          <a:lstStyle/>
-          <a:p>
-            <a:r>
-              <a:rPr lang="en-US" altLang="ko-KR" sz="1600" dirty="0" smtClean="0">
-                <a:solidFill>
-                  <a:srgbClr val="FF0000"/>
-                </a:solidFill>
-              </a:rPr>
-              <a:t>array-2d-calc.html</a:t>
-            </a:r>
-            <a:endParaRPr lang="ko-KR" altLang="en-US" sz="1600" dirty="0">
-              <a:solidFill>
-                <a:srgbClr val="FF0000"/>
-              </a:solidFill>
-            </a:endParaRPr>
-          </a:p>
-        </p:txBody>
-      </p:sp>
-      <p:pic>
-        <p:nvPicPr>
-          <p:cNvPr id="9" name="그림 8"/>
-          <p:cNvPicPr>
-            <a:picLocks noChangeAspect="1"/>
-          </p:cNvPicPr>
-          <p:nvPr/>
-        </p:nvPicPr>
-        <p:blipFill>
-          <a:blip r:embed="rId3">
-            <a:extLst>
-              <a:ext uri="{28A0092B-C50C-407E-A947-70E740481C1C}">
-                <a14:useLocalDpi xmlns:a14="http://schemas.microsoft.com/office/drawing/2010/main" val="0"/>
-              </a:ext>
-            </a:extLst>
-          </a:blip>
-          <a:stretch>
-            <a:fillRect/>
-          </a:stretch>
-        </p:blipFill>
-        <p:spPr>
-          <a:xfrm>
-            <a:off x="4160912" y="4085143"/>
-            <a:ext cx="5372566" cy="1966131"/>
-          </a:xfrm>
-          <a:prstGeom prst="rect">
-            <a:avLst/>
-          </a:prstGeom>
-          <a:ln>
-            <a:solidFill>
-              <a:schemeClr val="bg1">
-                <a:lumMod val="85000"/>
-              </a:schemeClr>
-            </a:solidFill>
-          </a:ln>
-        </p:spPr>
-      </p:pic>
-    </p:spTree>
-    <p:extLst>
-      <p:ext uri="{BB962C8B-B14F-4D97-AF65-F5344CB8AC3E}">
-        <p14:creationId xmlns:p14="http://schemas.microsoft.com/office/powerpoint/2010/main" val="869334158"/>
-      </p:ext>
-    </p:extLst>
-  </p:cSld>
-  <p:clrMapOvr>
-    <a:masterClrMapping/>
-  </p:clrMapOvr>
-  <p:timing>
-    <p:tnLst>
-      <p:par>
-        <p:cTn id="1" dur="indefinite" restart="never" nodeType="tmRoot"/>
-      </p:par>
-    </p:tnLst>
-  </p:timing>
-</p:sld>
-</file>
-
-<file path=ppt/slides/slide24.xml><?xml version="1.0" encoding="utf-8"?>
-<p:sld xmlns:a="http://schemas.openxmlformats.org/drawingml/2006/main" xmlns:r="http://schemas.openxmlformats.org/officeDocument/2006/relationships" xmlns:p="http://schemas.openxmlformats.org/presentationml/2006/main">
-  <p:cSld>
-    <p:spTree>
-      <p:nvGrpSpPr>
-        <p:cNvPr id="1" name=""/>
-        <p:cNvGrpSpPr/>
-        <p:nvPr/>
-      </p:nvGrpSpPr>
-      <p:grpSpPr>
-        <a:xfrm>
-          <a:off x="0" y="0"/>
-          <a:ext cx="0" cy="0"/>
-          <a:chOff x="0" y="0"/>
-          <a:chExt cx="0" cy="0"/>
-        </a:xfrm>
-      </p:grpSpPr>
-      <p:sp>
-        <p:nvSpPr>
-          <p:cNvPr id="2" name="제목 1"/>
-          <p:cNvSpPr>
-            <a:spLocks noGrp="1"/>
-          </p:cNvSpPr>
-          <p:nvPr>
-            <p:ph type="title"/>
-          </p:nvPr>
-        </p:nvSpPr>
-        <p:spPr>
-          <a:xfrm>
-            <a:off x="416497" y="197768"/>
-            <a:ext cx="6412780" cy="854968"/>
-          </a:xfrm>
-        </p:spPr>
-        <p:txBody>
-          <a:bodyPr>
-            <a:noAutofit/>
-          </a:bodyPr>
-          <a:lstStyle/>
-          <a:p>
-            <a:pPr algn="ctr"/>
-            <a:r>
-              <a:rPr lang="ko-KR" altLang="en-US" sz="2800" dirty="0"/>
-              <a:t>다</a:t>
-            </a:r>
-            <a:r>
-              <a:rPr lang="ko-KR" altLang="en-US" sz="2800" dirty="0" smtClean="0"/>
-              <a:t>차원 배열</a:t>
-            </a:r>
-            <a:endParaRPr lang="ko-KR" altLang="en-US" sz="2800" dirty="0"/>
-          </a:p>
-        </p:txBody>
-      </p:sp>
-      <p:sp>
-        <p:nvSpPr>
-          <p:cNvPr id="4" name="슬라이드 번호 개체 틀 3"/>
-          <p:cNvSpPr>
-            <a:spLocks noGrp="1"/>
-          </p:cNvSpPr>
-          <p:nvPr>
-            <p:ph type="sldNum" sz="quarter" idx="12"/>
-          </p:nvPr>
-        </p:nvSpPr>
-        <p:spPr/>
-        <p:txBody>
-          <a:bodyPr/>
-          <a:lstStyle/>
-          <a:p>
-            <a:fld id="{1BDE3FE7-3AEA-4B05-AC5A-802D1816ACF0}" type="slidenum">
-              <a:rPr lang="ko-KR" altLang="en-US" smtClean="0"/>
-              <a:t>24</a:t>
             </a:fld>
             <a:endParaRPr lang="ko-KR" altLang="en-US"/>
           </a:p>
@@ -11726,7 +11275,15 @@
                   <a:srgbClr val="FF0000"/>
                 </a:solidFill>
               </a:rPr>
-              <a:t>newArray.html</a:t>
+              <a:t>n</a:t>
+            </a:r>
+            <a:r>
+              <a:rPr lang="en-US" altLang="ko-KR" sz="1600" dirty="0" smtClean="0">
+                <a:solidFill>
+                  <a:srgbClr val="FF0000"/>
+                </a:solidFill>
+              </a:rPr>
+              <a:t>ew_array1.html</a:t>
             </a:r>
             <a:endParaRPr lang="ko-KR" altLang="en-US" sz="1600" dirty="0">
               <a:solidFill>
@@ -12113,12 +11670,20 @@
           <a:lstStyle/>
           <a:p>
             <a:r>
+              <a:rPr lang="en-US" altLang="ko-KR" sz="1600" dirty="0">
+                <a:solidFill>
+                  <a:srgbClr val="FF0000"/>
+                </a:solidFill>
+              </a:rPr>
+              <a:t>n</a:t>
+            </a:r>
+            <a:r>
               <a:rPr lang="en-US" altLang="ko-KR" sz="1600" dirty="0" smtClean="0">
                 <a:solidFill>
                   <a:srgbClr val="FF0000"/>
                 </a:solidFill>
               </a:rPr>
-              <a:t>newArray2.html</a:t>
+              <a:t>ew_array2.html</a:t>
             </a:r>
             <a:endParaRPr lang="ko-KR" altLang="en-US" sz="1600" dirty="0">
               <a:solidFill>
@@ -12376,7 +11941,15 @@
                   <a:srgbClr val="FF0000"/>
                 </a:solidFill>
               </a:rPr>
-              <a:t>arrayCalc.html</a:t>
+              <a:t>a</a:t>
+            </a:r>
+            <a:r>
+              <a:rPr lang="en-US" altLang="ko-KR" sz="1600" dirty="0" smtClean="0">
+                <a:solidFill>
+                  <a:srgbClr val="FF0000"/>
+                </a:solidFill>
+              </a:rPr>
+              <a:t>rray_calc.html</a:t>
             </a:r>
             <a:endParaRPr lang="ko-KR" altLang="en-US" sz="1600" dirty="0">
               <a:solidFill>
